--- a/day 9/SAC_Training Day 9.pptx
+++ b/day 9/SAC_Training Day 9.pptx
@@ -207,7 +207,7 @@
           <a:p>
             <a:fld id="{4AF2A06D-4991-4208-8C88-4E8BAD69A8B8}" type="datetimeFigureOut">
               <a:rPr lang="en-US" smtClean="0"/>
-              <a:t>11/22/2021</a:t>
+              <a:t>1/9/2022</a:t>
             </a:fld>
             <a:endParaRPr lang="en-US"/>
           </a:p>
@@ -831,7 +831,7 @@
           <a:p>
             <a:fld id="{E26E0DA5-0C76-4851-AA82-0B75261F9EB4}" type="datetimeFigureOut">
               <a:rPr lang="en-US" smtClean="0"/>
-              <a:t>11/22/2021</a:t>
+              <a:t>1/9/2022</a:t>
             </a:fld>
             <a:endParaRPr lang="en-US"/>
           </a:p>
@@ -999,7 +999,7 @@
           <a:p>
             <a:fld id="{E26E0DA5-0C76-4851-AA82-0B75261F9EB4}" type="datetimeFigureOut">
               <a:rPr lang="en-US" smtClean="0"/>
-              <a:t>11/22/2021</a:t>
+              <a:t>1/9/2022</a:t>
             </a:fld>
             <a:endParaRPr lang="en-US"/>
           </a:p>
@@ -1177,7 +1177,7 @@
           <a:p>
             <a:fld id="{E26E0DA5-0C76-4851-AA82-0B75261F9EB4}" type="datetimeFigureOut">
               <a:rPr lang="en-US" smtClean="0"/>
-              <a:t>11/22/2021</a:t>
+              <a:t>1/9/2022</a:t>
             </a:fld>
             <a:endParaRPr lang="en-US"/>
           </a:p>
@@ -1504,7 +1504,7 @@
             <a:fld id="{9578D6DB-6798-42D2-B9AD-FC6F1C72FC30}" type="datetimeFigureOut">
               <a:rPr lang="en-US" smtClean="0"/>
               <a:pPr/>
-              <a:t>11/22/2021</a:t>
+              <a:t>1/9/2022</a:t>
             </a:fld>
             <a:endParaRPr lang="en-US"/>
           </a:p>
@@ -1746,7 +1746,7 @@
             <a:fld id="{425404F2-BE9A-4460-8815-8F645183555F}" type="datetimeFigureOut">
               <a:rPr lang="en-US" smtClean="0"/>
               <a:pPr/>
-              <a:t>11/22/2021</a:t>
+              <a:t>1/9/2022</a:t>
             </a:fld>
             <a:endParaRPr lang="en-US"/>
           </a:p>
@@ -1874,7 +1874,7 @@
             <a:fld id="{425404F2-BE9A-4460-8815-8F645183555F}" type="datetimeFigureOut">
               <a:rPr lang="en-US" smtClean="0"/>
               <a:pPr/>
-              <a:t>11/22/2021</a:t>
+              <a:t>1/9/2022</a:t>
             </a:fld>
             <a:endParaRPr lang="en-US"/>
           </a:p>
@@ -2124,7 +2124,7 @@
             <a:fld id="{425404F2-BE9A-4460-8815-8F645183555F}" type="datetimeFigureOut">
               <a:rPr lang="en-US" smtClean="0"/>
               <a:pPr/>
-              <a:t>11/22/2021</a:t>
+              <a:t>1/9/2022</a:t>
             </a:fld>
             <a:endParaRPr lang="en-US"/>
           </a:p>
@@ -2294,7 +2294,7 @@
             <a:fld id="{425404F2-BE9A-4460-8815-8F645183555F}" type="datetimeFigureOut">
               <a:rPr lang="en-US" smtClean="0"/>
               <a:pPr/>
-              <a:t>11/22/2021</a:t>
+              <a:t>1/9/2022</a:t>
             </a:fld>
             <a:endParaRPr lang="en-US"/>
           </a:p>
@@ -2581,7 +2581,7 @@
             <a:fld id="{425404F2-BE9A-4460-8815-8F645183555F}" type="datetimeFigureOut">
               <a:rPr lang="en-US" smtClean="0"/>
               <a:pPr/>
-              <a:t>11/22/2021</a:t>
+              <a:t>1/9/2022</a:t>
             </a:fld>
             <a:endParaRPr lang="en-US"/>
           </a:p>
@@ -3002,7 +3002,7 @@
             <a:fld id="{425404F2-BE9A-4460-8815-8F645183555F}" type="datetimeFigureOut">
               <a:rPr lang="en-US" smtClean="0"/>
               <a:pPr/>
-              <a:t>11/22/2021</a:t>
+              <a:t>1/9/2022</a:t>
             </a:fld>
             <a:endParaRPr lang="en-US"/>
           </a:p>
@@ -3127,7 +3127,7 @@
             <a:fld id="{425404F2-BE9A-4460-8815-8F645183555F}" type="datetimeFigureOut">
               <a:rPr lang="en-US" smtClean="0"/>
               <a:pPr/>
-              <a:t>11/22/2021</a:t>
+              <a:t>1/9/2022</a:t>
             </a:fld>
             <a:endParaRPr lang="en-US"/>
           </a:p>
@@ -3353,7 +3353,7 @@
           <a:p>
             <a:fld id="{E26E0DA5-0C76-4851-AA82-0B75261F9EB4}" type="datetimeFigureOut">
               <a:rPr lang="en-US" smtClean="0"/>
-              <a:t>11/22/2021</a:t>
+              <a:t>1/9/2022</a:t>
             </a:fld>
             <a:endParaRPr lang="en-US"/>
           </a:p>
@@ -3477,7 +3477,7 @@
             <a:fld id="{425404F2-BE9A-4460-8815-8F645183555F}" type="datetimeFigureOut">
               <a:rPr lang="en-US" smtClean="0"/>
               <a:pPr/>
-              <a:t>11/22/2021</a:t>
+              <a:t>1/9/2022</a:t>
             </a:fld>
             <a:endParaRPr lang="en-US"/>
           </a:p>
@@ -4024,7 +4024,7 @@
             <a:fld id="{425404F2-BE9A-4460-8815-8F645183555F}" type="datetimeFigureOut">
               <a:rPr lang="en-US" smtClean="0"/>
               <a:pPr/>
-              <a:t>11/22/2021</a:t>
+              <a:t>1/9/2022</a:t>
             </a:fld>
             <a:endParaRPr lang="en-US"/>
           </a:p>
@@ -4172,7 +4172,7 @@
             <a:fld id="{425404F2-BE9A-4460-8815-8F645183555F}" type="datetimeFigureOut">
               <a:rPr lang="en-US" smtClean="0"/>
               <a:pPr/>
-              <a:t>11/22/2021</a:t>
+              <a:t>1/9/2022</a:t>
             </a:fld>
             <a:endParaRPr lang="en-US"/>
           </a:p>
@@ -4405,7 +4405,7 @@
             <a:fld id="{425404F2-BE9A-4460-8815-8F645183555F}" type="datetimeFigureOut">
               <a:rPr lang="en-US" smtClean="0"/>
               <a:pPr/>
-              <a:t>11/22/2021</a:t>
+              <a:t>1/9/2022</a:t>
             </a:fld>
             <a:endParaRPr lang="en-US"/>
           </a:p>
@@ -4643,7 +4643,7 @@
             <a:fld id="{425404F2-BE9A-4460-8815-8F645183555F}" type="datetimeFigureOut">
               <a:rPr lang="en-US" smtClean="0"/>
               <a:pPr/>
-              <a:t>11/22/2021</a:t>
+              <a:t>1/9/2022</a:t>
             </a:fld>
             <a:endParaRPr lang="en-US"/>
           </a:p>
@@ -4825,7 +4825,7 @@
             <a:fld id="{425404F2-BE9A-4460-8815-8F645183555F}" type="datetimeFigureOut">
               <a:rPr lang="en-US" smtClean="0"/>
               <a:pPr/>
-              <a:t>11/22/2021</a:t>
+              <a:t>1/9/2022</a:t>
             </a:fld>
             <a:endParaRPr lang="en-US"/>
           </a:p>
@@ -5102,7 +5102,7 @@
             <a:fld id="{425404F2-BE9A-4460-8815-8F645183555F}" type="datetimeFigureOut">
               <a:rPr lang="en-US" smtClean="0"/>
               <a:pPr/>
-              <a:t>11/22/2021</a:t>
+              <a:t>1/9/2022</a:t>
             </a:fld>
             <a:endParaRPr lang="en-US"/>
           </a:p>
@@ -5356,7 +5356,7 @@
             <a:fld id="{425404F2-BE9A-4460-8815-8F645183555F}" type="datetimeFigureOut">
               <a:rPr lang="en-US" smtClean="0"/>
               <a:pPr/>
-              <a:t>11/22/2021</a:t>
+              <a:t>1/9/2022</a:t>
             </a:fld>
             <a:endParaRPr lang="en-US"/>
           </a:p>
@@ -5526,7 +5526,7 @@
             <a:fld id="{425404F2-BE9A-4460-8815-8F645183555F}" type="datetimeFigureOut">
               <a:rPr lang="en-US" smtClean="0"/>
               <a:pPr/>
-              <a:t>11/22/2021</a:t>
+              <a:t>1/9/2022</a:t>
             </a:fld>
             <a:endParaRPr lang="en-US"/>
           </a:p>
@@ -5706,7 +5706,7 @@
             <a:fld id="{425404F2-BE9A-4460-8815-8F645183555F}" type="datetimeFigureOut">
               <a:rPr lang="en-US" smtClean="0"/>
               <a:pPr/>
-              <a:t>11/22/2021</a:t>
+              <a:t>1/9/2022</a:t>
             </a:fld>
             <a:endParaRPr lang="en-US"/>
           </a:p>
@@ -5952,7 +5952,7 @@
           <a:p>
             <a:fld id="{E26E0DA5-0C76-4851-AA82-0B75261F9EB4}" type="datetimeFigureOut">
               <a:rPr lang="en-US" smtClean="0"/>
-              <a:t>11/22/2021</a:t>
+              <a:t>1/9/2022</a:t>
             </a:fld>
             <a:endParaRPr lang="en-US"/>
           </a:p>
@@ -6181,7 +6181,7 @@
           <a:p>
             <a:fld id="{E26E0DA5-0C76-4851-AA82-0B75261F9EB4}" type="datetimeFigureOut">
               <a:rPr lang="en-US" smtClean="0"/>
-              <a:t>11/22/2021</a:t>
+              <a:t>1/9/2022</a:t>
             </a:fld>
             <a:endParaRPr lang="en-US"/>
           </a:p>
@@ -6545,7 +6545,7 @@
           <a:p>
             <a:fld id="{E26E0DA5-0C76-4851-AA82-0B75261F9EB4}" type="datetimeFigureOut">
               <a:rPr lang="en-US" smtClean="0"/>
-              <a:t>11/22/2021</a:t>
+              <a:t>1/9/2022</a:t>
             </a:fld>
             <a:endParaRPr lang="en-US"/>
           </a:p>
@@ -6662,7 +6662,7 @@
           <a:p>
             <a:fld id="{E26E0DA5-0C76-4851-AA82-0B75261F9EB4}" type="datetimeFigureOut">
               <a:rPr lang="en-US" smtClean="0"/>
-              <a:t>11/22/2021</a:t>
+              <a:t>1/9/2022</a:t>
             </a:fld>
             <a:endParaRPr lang="en-US"/>
           </a:p>
@@ -6757,7 +6757,7 @@
           <a:p>
             <a:fld id="{E26E0DA5-0C76-4851-AA82-0B75261F9EB4}" type="datetimeFigureOut">
               <a:rPr lang="en-US" smtClean="0"/>
-              <a:t>11/22/2021</a:t>
+              <a:t>1/9/2022</a:t>
             </a:fld>
             <a:endParaRPr lang="en-US"/>
           </a:p>
@@ -7032,7 +7032,7 @@
           <a:p>
             <a:fld id="{E26E0DA5-0C76-4851-AA82-0B75261F9EB4}" type="datetimeFigureOut">
               <a:rPr lang="en-US" smtClean="0"/>
-              <a:t>11/22/2021</a:t>
+              <a:t>1/9/2022</a:t>
             </a:fld>
             <a:endParaRPr lang="en-US"/>
           </a:p>
@@ -7284,7 +7284,7 @@
           <a:p>
             <a:fld id="{E26E0DA5-0C76-4851-AA82-0B75261F9EB4}" type="datetimeFigureOut">
               <a:rPr lang="en-US" smtClean="0"/>
-              <a:t>11/22/2021</a:t>
+              <a:t>1/9/2022</a:t>
             </a:fld>
             <a:endParaRPr lang="en-US"/>
           </a:p>
@@ -7495,7 +7495,7 @@
           <a:p>
             <a:fld id="{E26E0DA5-0C76-4851-AA82-0B75261F9EB4}" type="datetimeFigureOut">
               <a:rPr lang="en-US" smtClean="0"/>
-              <a:t>11/22/2021</a:t>
+              <a:t>1/9/2022</a:t>
             </a:fld>
             <a:endParaRPr lang="en-US"/>
           </a:p>
@@ -8052,7 +8052,7 @@
             <a:fld id="{425404F2-BE9A-4460-8815-8F645183555F}" type="datetimeFigureOut">
               <a:rPr lang="en-US" smtClean="0"/>
               <a:pPr/>
-              <a:t>11/22/2021</a:t>
+              <a:t>1/9/2022</a:t>
             </a:fld>
             <a:endParaRPr lang="en-US"/>
           </a:p>
@@ -8613,7 +8613,7 @@
         <p:spPr>
           <a:xfrm>
             <a:off x="187367" y="2062424"/>
-            <a:ext cx="6629399" cy="1754326"/>
+            <a:ext cx="6629399" cy="1200329"/>
           </a:xfrm>
           <a:prstGeom prst="rect">
             <a:avLst/>
@@ -8650,22 +8650,15 @@
                   <a:schemeClr val="bg1"/>
                 </a:solidFill>
               </a:rPr>
-              <a:t>Shubham Singh</a:t>
-            </a:r>
-            <a:endParaRPr lang="en-US" sz="3600" spc="-150" dirty="0">
-              <a:solidFill>
-                <a:schemeClr val="bg1"/>
-              </a:solidFill>
-            </a:endParaRPr>
-          </a:p>
-          <a:p>
+              <a:t>Day </a:t>
+            </a:r>
             <a:r>
               <a:rPr lang="en-US" sz="3600" spc="-150" dirty="0">
                 <a:solidFill>
                   <a:schemeClr val="bg1"/>
                 </a:solidFill>
               </a:rPr>
-              <a:t>Day 9</a:t>
+              <a:t>9</a:t>
             </a:r>
           </a:p>
         </p:txBody>
@@ -8727,7 +8720,7 @@
           <p:cNvPr id="2052" name="Picture 4" descr="Ski Jumping Arena - Free Presentation Templates">
             <a:extLst>
               <a:ext uri="{FF2B5EF4-FFF2-40B4-BE49-F238E27FC236}">
-                <a16:creationId xmlns:a16="http://schemas.microsoft.com/office/drawing/2014/main" xmlns="" id="{B0D7E6A1-F72A-4F69-B4FB-A4ED7A0C6CED}"/>
+                <a16:creationId xmlns:a16="http://schemas.microsoft.com/office/drawing/2014/main" id="{B0D7E6A1-F72A-4F69-B4FB-A4ED7A0C6CED}"/>
               </a:ext>
             </a:extLst>
           </p:cNvPr>
@@ -8915,7 +8908,7 @@
           <p:cNvPr id="2" name="Title 3">
             <a:extLst>
               <a:ext uri="{FF2B5EF4-FFF2-40B4-BE49-F238E27FC236}">
-                <a16:creationId xmlns:a16="http://schemas.microsoft.com/office/drawing/2014/main" xmlns="" id="{F07FC580-E2AB-4C55-8C95-D5E077A1D127}"/>
+                <a16:creationId xmlns:a16="http://schemas.microsoft.com/office/drawing/2014/main" id="{F07FC580-E2AB-4C55-8C95-D5E077A1D127}"/>
               </a:ext>
             </a:extLst>
           </p:cNvPr>
@@ -8997,7 +8990,7 @@
           <p:cNvPr id="5" name="TextBox 4">
             <a:extLst>
               <a:ext uri="{FF2B5EF4-FFF2-40B4-BE49-F238E27FC236}">
-                <a16:creationId xmlns:a16="http://schemas.microsoft.com/office/drawing/2014/main" xmlns="" id="{27E5B41D-1DDF-48C9-A5AF-075F84492B68}"/>
+                <a16:creationId xmlns:a16="http://schemas.microsoft.com/office/drawing/2014/main" id="{27E5B41D-1DDF-48C9-A5AF-075F84492B68}"/>
               </a:ext>
             </a:extLst>
           </p:cNvPr>
@@ -9486,7 +9479,7 @@
           <p:cNvPr id="6" name="TextBox 5">
             <a:extLst>
               <a:ext uri="{FF2B5EF4-FFF2-40B4-BE49-F238E27FC236}">
-                <a16:creationId xmlns:a16="http://schemas.microsoft.com/office/drawing/2014/main" xmlns="" id="{E8CAC22F-1542-4031-BC6C-A16989886504}"/>
+                <a16:creationId xmlns:a16="http://schemas.microsoft.com/office/drawing/2014/main" id="{E8CAC22F-1542-4031-BC6C-A16989886504}"/>
               </a:ext>
             </a:extLst>
           </p:cNvPr>
@@ -9606,7 +9599,7 @@
           <p:cNvPr id="37" name="TextBox 36">
             <a:extLst>
               <a:ext uri="{FF2B5EF4-FFF2-40B4-BE49-F238E27FC236}">
-                <a16:creationId xmlns:a16="http://schemas.microsoft.com/office/drawing/2014/main" xmlns="" id="{E8CAC22F-1542-4031-BC6C-A16989886504}"/>
+                <a16:creationId xmlns:a16="http://schemas.microsoft.com/office/drawing/2014/main" id="{E8CAC22F-1542-4031-BC6C-A16989886504}"/>
               </a:ext>
             </a:extLst>
           </p:cNvPr>
@@ -9659,7 +9652,7 @@
           <p:cNvPr id="40" name="Picture 39">
             <a:extLst>
               <a:ext uri="{FF2B5EF4-FFF2-40B4-BE49-F238E27FC236}">
-                <a16:creationId xmlns:a16="http://schemas.microsoft.com/office/drawing/2014/main" xmlns="" id="{DA60E6FB-8C44-4FEB-B6E9-83DA908565CD}"/>
+                <a16:creationId xmlns:a16="http://schemas.microsoft.com/office/drawing/2014/main" id="{DA60E6FB-8C44-4FEB-B6E9-83DA908565CD}"/>
               </a:ext>
             </a:extLst>
           </p:cNvPr>
@@ -9695,7 +9688,7 @@
           <p:cNvPr id="41" name="Straight Connector 40">
             <a:extLst>
               <a:ext uri="{FF2B5EF4-FFF2-40B4-BE49-F238E27FC236}">
-                <a16:creationId xmlns:a16="http://schemas.microsoft.com/office/drawing/2014/main" xmlns="" id="{3B3B7D73-CAE9-45AC-ACCE-FAEF4E505C7A}"/>
+                <a16:creationId xmlns:a16="http://schemas.microsoft.com/office/drawing/2014/main" id="{3B3B7D73-CAE9-45AC-ACCE-FAEF4E505C7A}"/>
               </a:ext>
             </a:extLst>
           </p:cNvPr>
@@ -9827,7 +9820,7 @@
           <p:cNvPr id="37" name="TextBox 36">
             <a:extLst>
               <a:ext uri="{FF2B5EF4-FFF2-40B4-BE49-F238E27FC236}">
-                <a16:creationId xmlns:a16="http://schemas.microsoft.com/office/drawing/2014/main" xmlns="" id="{E8CAC22F-1542-4031-BC6C-A16989886504}"/>
+                <a16:creationId xmlns:a16="http://schemas.microsoft.com/office/drawing/2014/main" id="{E8CAC22F-1542-4031-BC6C-A16989886504}"/>
               </a:ext>
             </a:extLst>
           </p:cNvPr>
@@ -9880,7 +9873,7 @@
           <p:cNvPr id="40" name="Picture 39">
             <a:extLst>
               <a:ext uri="{FF2B5EF4-FFF2-40B4-BE49-F238E27FC236}">
-                <a16:creationId xmlns:a16="http://schemas.microsoft.com/office/drawing/2014/main" xmlns="" id="{DA60E6FB-8C44-4FEB-B6E9-83DA908565CD}"/>
+                <a16:creationId xmlns:a16="http://schemas.microsoft.com/office/drawing/2014/main" id="{DA60E6FB-8C44-4FEB-B6E9-83DA908565CD}"/>
               </a:ext>
             </a:extLst>
           </p:cNvPr>
@@ -9916,7 +9909,7 @@
           <p:cNvPr id="41" name="Straight Connector 40">
             <a:extLst>
               <a:ext uri="{FF2B5EF4-FFF2-40B4-BE49-F238E27FC236}">
-                <a16:creationId xmlns:a16="http://schemas.microsoft.com/office/drawing/2014/main" xmlns="" id="{3B3B7D73-CAE9-45AC-ACCE-FAEF4E505C7A}"/>
+                <a16:creationId xmlns:a16="http://schemas.microsoft.com/office/drawing/2014/main" id="{3B3B7D73-CAE9-45AC-ACCE-FAEF4E505C7A}"/>
               </a:ext>
             </a:extLst>
           </p:cNvPr>
@@ -9952,7 +9945,7 @@
           <p:cNvPr id="4" name="Content Placeholder 3">
             <a:extLst>
               <a:ext uri="{FF2B5EF4-FFF2-40B4-BE49-F238E27FC236}">
-                <a16:creationId xmlns:a16="http://schemas.microsoft.com/office/drawing/2014/main" xmlns="" id="{CBEDC674-543C-4D80-800A-9884F43347D6}"/>
+                <a16:creationId xmlns:a16="http://schemas.microsoft.com/office/drawing/2014/main" id="{CBEDC674-543C-4D80-800A-9884F43347D6}"/>
               </a:ext>
             </a:extLst>
           </p:cNvPr>
@@ -10012,7 +10005,7 @@
           <p:cNvPr id="2" name="Rectangle 1">
             <a:extLst>
               <a:ext uri="{FF2B5EF4-FFF2-40B4-BE49-F238E27FC236}">
-                <a16:creationId xmlns:a16="http://schemas.microsoft.com/office/drawing/2014/main" xmlns="" id="{037C36F8-BD94-4AF7-B045-22902851CE18}"/>
+                <a16:creationId xmlns:a16="http://schemas.microsoft.com/office/drawing/2014/main" id="{037C36F8-BD94-4AF7-B045-22902851CE18}"/>
               </a:ext>
             </a:extLst>
           </p:cNvPr>
@@ -10058,7 +10051,7 @@
           <p:cNvPr id="5" name="Straight Arrow Connector 4">
             <a:extLst>
               <a:ext uri="{FF2B5EF4-FFF2-40B4-BE49-F238E27FC236}">
-                <a16:creationId xmlns:a16="http://schemas.microsoft.com/office/drawing/2014/main" xmlns="" id="{4CD5F51D-CFE9-407C-A5BD-9F241F269190}"/>
+                <a16:creationId xmlns:a16="http://schemas.microsoft.com/office/drawing/2014/main" id="{4CD5F51D-CFE9-407C-A5BD-9F241F269190}"/>
               </a:ext>
             </a:extLst>
           </p:cNvPr>
@@ -10097,7 +10090,7 @@
           <p:cNvPr id="6" name="Rectangle 5">
             <a:extLst>
               <a:ext uri="{FF2B5EF4-FFF2-40B4-BE49-F238E27FC236}">
-                <a16:creationId xmlns:a16="http://schemas.microsoft.com/office/drawing/2014/main" xmlns="" id="{C0A56AD8-D4C4-44F2-BC7E-647E390D7D61}"/>
+                <a16:creationId xmlns:a16="http://schemas.microsoft.com/office/drawing/2014/main" id="{C0A56AD8-D4C4-44F2-BC7E-647E390D7D61}"/>
               </a:ext>
             </a:extLst>
           </p:cNvPr>
@@ -10146,7 +10139,7 @@
           <p:cNvPr id="7" name="Rectangle 6">
             <a:extLst>
               <a:ext uri="{FF2B5EF4-FFF2-40B4-BE49-F238E27FC236}">
-                <a16:creationId xmlns:a16="http://schemas.microsoft.com/office/drawing/2014/main" xmlns="" id="{B2483A8E-B645-449B-9D3A-FC709053DBCF}"/>
+                <a16:creationId xmlns:a16="http://schemas.microsoft.com/office/drawing/2014/main" id="{B2483A8E-B645-449B-9D3A-FC709053DBCF}"/>
               </a:ext>
             </a:extLst>
           </p:cNvPr>
@@ -10195,7 +10188,7 @@
           <p:cNvPr id="13" name="Straight Arrow Connector 12">
             <a:extLst>
               <a:ext uri="{FF2B5EF4-FFF2-40B4-BE49-F238E27FC236}">
-                <a16:creationId xmlns:a16="http://schemas.microsoft.com/office/drawing/2014/main" xmlns="" id="{323D7B94-52FA-48EA-AC6B-95BAE93D31CD}"/>
+                <a16:creationId xmlns:a16="http://schemas.microsoft.com/office/drawing/2014/main" id="{323D7B94-52FA-48EA-AC6B-95BAE93D31CD}"/>
               </a:ext>
             </a:extLst>
           </p:cNvPr>
@@ -10237,7 +10230,7 @@
           <p:cNvPr id="36" name="Straight Arrow Connector 35">
             <a:extLst>
               <a:ext uri="{FF2B5EF4-FFF2-40B4-BE49-F238E27FC236}">
-                <a16:creationId xmlns:a16="http://schemas.microsoft.com/office/drawing/2014/main" xmlns="" id="{3CDDCFF6-C654-48A2-80F1-E5E444D59F54}"/>
+                <a16:creationId xmlns:a16="http://schemas.microsoft.com/office/drawing/2014/main" id="{3CDDCFF6-C654-48A2-80F1-E5E444D59F54}"/>
               </a:ext>
             </a:extLst>
           </p:cNvPr>
@@ -10278,7 +10271,7 @@
           <p:cNvPr id="38" name="Rectangle 37">
             <a:extLst>
               <a:ext uri="{FF2B5EF4-FFF2-40B4-BE49-F238E27FC236}">
-                <a16:creationId xmlns:a16="http://schemas.microsoft.com/office/drawing/2014/main" xmlns="" id="{C8E36453-D393-4D03-BECE-C3CA294B8AD2}"/>
+                <a16:creationId xmlns:a16="http://schemas.microsoft.com/office/drawing/2014/main" id="{C8E36453-D393-4D03-BECE-C3CA294B8AD2}"/>
               </a:ext>
             </a:extLst>
           </p:cNvPr>
@@ -10327,7 +10320,7 @@
           <p:cNvPr id="43" name="Straight Arrow Connector 42">
             <a:extLst>
               <a:ext uri="{FF2B5EF4-FFF2-40B4-BE49-F238E27FC236}">
-                <a16:creationId xmlns:a16="http://schemas.microsoft.com/office/drawing/2014/main" xmlns="" id="{2DA78E7E-6A5C-4634-AF75-894AB016D2DA}"/>
+                <a16:creationId xmlns:a16="http://schemas.microsoft.com/office/drawing/2014/main" id="{2DA78E7E-6A5C-4634-AF75-894AB016D2DA}"/>
               </a:ext>
             </a:extLst>
           </p:cNvPr>
@@ -10438,7 +10431,7 @@
           <p:cNvPr id="37" name="TextBox 36">
             <a:extLst>
               <a:ext uri="{FF2B5EF4-FFF2-40B4-BE49-F238E27FC236}">
-                <a16:creationId xmlns:a16="http://schemas.microsoft.com/office/drawing/2014/main" xmlns="" id="{E8CAC22F-1542-4031-BC6C-A16989886504}"/>
+                <a16:creationId xmlns:a16="http://schemas.microsoft.com/office/drawing/2014/main" id="{E8CAC22F-1542-4031-BC6C-A16989886504}"/>
               </a:ext>
             </a:extLst>
           </p:cNvPr>
@@ -10491,7 +10484,7 @@
           <p:cNvPr id="40" name="Picture 39">
             <a:extLst>
               <a:ext uri="{FF2B5EF4-FFF2-40B4-BE49-F238E27FC236}">
-                <a16:creationId xmlns:a16="http://schemas.microsoft.com/office/drawing/2014/main" xmlns="" id="{DA60E6FB-8C44-4FEB-B6E9-83DA908565CD}"/>
+                <a16:creationId xmlns:a16="http://schemas.microsoft.com/office/drawing/2014/main" id="{DA60E6FB-8C44-4FEB-B6E9-83DA908565CD}"/>
               </a:ext>
             </a:extLst>
           </p:cNvPr>
@@ -10527,7 +10520,7 @@
           <p:cNvPr id="41" name="Straight Connector 40">
             <a:extLst>
               <a:ext uri="{FF2B5EF4-FFF2-40B4-BE49-F238E27FC236}">
-                <a16:creationId xmlns:a16="http://schemas.microsoft.com/office/drawing/2014/main" xmlns="" id="{3B3B7D73-CAE9-45AC-ACCE-FAEF4E505C7A}"/>
+                <a16:creationId xmlns:a16="http://schemas.microsoft.com/office/drawing/2014/main" id="{3B3B7D73-CAE9-45AC-ACCE-FAEF4E505C7A}"/>
               </a:ext>
             </a:extLst>
           </p:cNvPr>
@@ -10563,7 +10556,7 @@
           <p:cNvPr id="7" name="TextBox 6">
             <a:extLst>
               <a:ext uri="{FF2B5EF4-FFF2-40B4-BE49-F238E27FC236}">
-                <a16:creationId xmlns:a16="http://schemas.microsoft.com/office/drawing/2014/main" xmlns="" id="{8F13B9DB-B6C9-4C0D-95D8-6D1E04BB64DB}"/>
+                <a16:creationId xmlns:a16="http://schemas.microsoft.com/office/drawing/2014/main" id="{8F13B9DB-B6C9-4C0D-95D8-6D1E04BB64DB}"/>
               </a:ext>
             </a:extLst>
           </p:cNvPr>
@@ -10598,7 +10591,7 @@
           <p:cNvPr id="2" name="TextBox 1">
             <a:extLst>
               <a:ext uri="{FF2B5EF4-FFF2-40B4-BE49-F238E27FC236}">
-                <a16:creationId xmlns:a16="http://schemas.microsoft.com/office/drawing/2014/main" xmlns="" id="{EB9D4EE7-D3FD-45F4-96B6-92DEBAFDFD2B}"/>
+                <a16:creationId xmlns:a16="http://schemas.microsoft.com/office/drawing/2014/main" id="{EB9D4EE7-D3FD-45F4-96B6-92DEBAFDFD2B}"/>
               </a:ext>
             </a:extLst>
           </p:cNvPr>
@@ -10807,7 +10800,7 @@
           <p:cNvPr id="37" name="TextBox 36">
             <a:extLst>
               <a:ext uri="{FF2B5EF4-FFF2-40B4-BE49-F238E27FC236}">
-                <a16:creationId xmlns:a16="http://schemas.microsoft.com/office/drawing/2014/main" xmlns="" id="{E8CAC22F-1542-4031-BC6C-A16989886504}"/>
+                <a16:creationId xmlns:a16="http://schemas.microsoft.com/office/drawing/2014/main" id="{E8CAC22F-1542-4031-BC6C-A16989886504}"/>
               </a:ext>
             </a:extLst>
           </p:cNvPr>
@@ -10860,7 +10853,7 @@
           <p:cNvPr id="40" name="Picture 39">
             <a:extLst>
               <a:ext uri="{FF2B5EF4-FFF2-40B4-BE49-F238E27FC236}">
-                <a16:creationId xmlns:a16="http://schemas.microsoft.com/office/drawing/2014/main" xmlns="" id="{DA60E6FB-8C44-4FEB-B6E9-83DA908565CD}"/>
+                <a16:creationId xmlns:a16="http://schemas.microsoft.com/office/drawing/2014/main" id="{DA60E6FB-8C44-4FEB-B6E9-83DA908565CD}"/>
               </a:ext>
             </a:extLst>
           </p:cNvPr>
@@ -10896,7 +10889,7 @@
           <p:cNvPr id="41" name="Straight Connector 40">
             <a:extLst>
               <a:ext uri="{FF2B5EF4-FFF2-40B4-BE49-F238E27FC236}">
-                <a16:creationId xmlns:a16="http://schemas.microsoft.com/office/drawing/2014/main" xmlns="" id="{3B3B7D73-CAE9-45AC-ACCE-FAEF4E505C7A}"/>
+                <a16:creationId xmlns:a16="http://schemas.microsoft.com/office/drawing/2014/main" id="{3B3B7D73-CAE9-45AC-ACCE-FAEF4E505C7A}"/>
               </a:ext>
             </a:extLst>
           </p:cNvPr>
@@ -10991,7 +10984,7 @@
           <p:cNvPr id="2" name="Title 3">
             <a:extLst>
               <a:ext uri="{FF2B5EF4-FFF2-40B4-BE49-F238E27FC236}">
-                <a16:creationId xmlns:a16="http://schemas.microsoft.com/office/drawing/2014/main" xmlns="" id="{F07FC580-E2AB-4C55-8C95-D5E077A1D127}"/>
+                <a16:creationId xmlns:a16="http://schemas.microsoft.com/office/drawing/2014/main" id="{F07FC580-E2AB-4C55-8C95-D5E077A1D127}"/>
               </a:ext>
             </a:extLst>
           </p:cNvPr>
@@ -11040,7 +11033,7 @@
           <p:cNvPr id="7" name="TextBox 6">
             <a:extLst>
               <a:ext uri="{FF2B5EF4-FFF2-40B4-BE49-F238E27FC236}">
-                <a16:creationId xmlns:a16="http://schemas.microsoft.com/office/drawing/2014/main" xmlns="" id="{17EB74BE-8011-4153-8F37-3BEF9C1F4CC0}"/>
+                <a16:creationId xmlns:a16="http://schemas.microsoft.com/office/drawing/2014/main" id="{17EB74BE-8011-4153-8F37-3BEF9C1F4CC0}"/>
               </a:ext>
             </a:extLst>
           </p:cNvPr>
@@ -11075,7 +11068,7 @@
           <p:cNvPr id="4" name="TextBox 3">
             <a:extLst>
               <a:ext uri="{FF2B5EF4-FFF2-40B4-BE49-F238E27FC236}">
-                <a16:creationId xmlns:a16="http://schemas.microsoft.com/office/drawing/2014/main" xmlns="" id="{E8CAC22F-1542-4031-BC6C-A16989886504}"/>
+                <a16:creationId xmlns:a16="http://schemas.microsoft.com/office/drawing/2014/main" id="{E8CAC22F-1542-4031-BC6C-A16989886504}"/>
               </a:ext>
             </a:extLst>
           </p:cNvPr>
@@ -11158,7 +11151,7 @@
           <p:cNvPr id="2" name="Title 1">
             <a:extLst>
               <a:ext uri="{FF2B5EF4-FFF2-40B4-BE49-F238E27FC236}">
-                <a16:creationId xmlns:a16="http://schemas.microsoft.com/office/drawing/2014/main" xmlns="" id="{29CB9E00-0397-4178-9E57-32DC82D3A8F7}"/>
+                <a16:creationId xmlns:a16="http://schemas.microsoft.com/office/drawing/2014/main" id="{29CB9E00-0397-4178-9E57-32DC82D3A8F7}"/>
               </a:ext>
             </a:extLst>
           </p:cNvPr>
@@ -11183,7 +11176,7 @@
           <p:cNvPr id="3" name="Content Placeholder 2">
             <a:extLst>
               <a:ext uri="{FF2B5EF4-FFF2-40B4-BE49-F238E27FC236}">
-                <a16:creationId xmlns:a16="http://schemas.microsoft.com/office/drawing/2014/main" xmlns="" id="{73A078A5-4F35-4958-8384-CBBBD3DED2C3}"/>
+                <a16:creationId xmlns:a16="http://schemas.microsoft.com/office/drawing/2014/main" id="{73A078A5-4F35-4958-8384-CBBBD3DED2C3}"/>
               </a:ext>
             </a:extLst>
           </p:cNvPr>
@@ -11238,7 +11231,7 @@
           <p:cNvPr id="1028" name="Picture 4" descr="Free Vector | Flat people with question marks background">
             <a:extLst>
               <a:ext uri="{FF2B5EF4-FFF2-40B4-BE49-F238E27FC236}">
-                <a16:creationId xmlns:a16="http://schemas.microsoft.com/office/drawing/2014/main" xmlns="" id="{E158EC70-4769-4E41-A278-C90EC4E480C7}"/>
+                <a16:creationId xmlns:a16="http://schemas.microsoft.com/office/drawing/2014/main" id="{E158EC70-4769-4E41-A278-C90EC4E480C7}"/>
               </a:ext>
             </a:extLst>
           </p:cNvPr>
@@ -11283,7 +11276,7 @@
           <p:cNvPr id="2" name="TextBox 1">
             <a:extLst>
               <a:ext uri="{FF2B5EF4-FFF2-40B4-BE49-F238E27FC236}">
-                <a16:creationId xmlns:a16="http://schemas.microsoft.com/office/drawing/2014/main" xmlns="" id="{994C3DB2-D47E-4B94-804B-87AF1FDEF86E}"/>
+                <a16:creationId xmlns:a16="http://schemas.microsoft.com/office/drawing/2014/main" id="{994C3DB2-D47E-4B94-804B-87AF1FDEF86E}"/>
               </a:ext>
             </a:extLst>
           </p:cNvPr>
@@ -11318,7 +11311,7 @@
           <p:cNvPr id="4" name="TextBox 3">
             <a:extLst>
               <a:ext uri="{FF2B5EF4-FFF2-40B4-BE49-F238E27FC236}">
-                <a16:creationId xmlns:a16="http://schemas.microsoft.com/office/drawing/2014/main" xmlns="" id="{E8CAC22F-1542-4031-BC6C-A16989886504}"/>
+                <a16:creationId xmlns:a16="http://schemas.microsoft.com/office/drawing/2014/main" id="{E8CAC22F-1542-4031-BC6C-A16989886504}"/>
               </a:ext>
             </a:extLst>
           </p:cNvPr>
